--- a/ppt 16-9/0400.耶稣是我的希望.pptx
+++ b/ppt 16-9/0400.耶稣是我的希望.pptx
@@ -5,7 +5,7 @@
     <p:sldMasterId id="2147483648" r:id="rId1"/>
   </p:sldMasterIdLst>
   <p:sldIdLst>
-    <p:sldId id="2871" r:id="rId2"/>
+    <p:sldId id="2872" r:id="rId2"/>
   </p:sldIdLst>
   <p:sldSz cx="12192000" cy="6858000"/>
   <p:notesSz cx="6858000" cy="9144000"/>
@@ -129,7 +129,7 @@
           <p:cNvPr id="2" name="标题 1">
             <a:extLst>
               <a:ext uri="{FF2B5EF4-FFF2-40B4-BE49-F238E27FC236}">
-                <a16:creationId xmlns:a16="http://schemas.microsoft.com/office/drawing/2014/main" id="{9D56B768-4A7B-61D9-6115-EC28F7CDE363}"/>
+                <a16:creationId xmlns:a16="http://schemas.microsoft.com/office/drawing/2014/main" id="{29FC6620-43F2-2FE1-391D-D6E10F7D0F6B}"/>
               </a:ext>
             </a:extLst>
           </p:cNvPr>
@@ -166,7 +166,7 @@
           <p:cNvPr id="3" name="副标题 2">
             <a:extLst>
               <a:ext uri="{FF2B5EF4-FFF2-40B4-BE49-F238E27FC236}">
-                <a16:creationId xmlns:a16="http://schemas.microsoft.com/office/drawing/2014/main" id="{B925BDC2-76AC-1B40-A9D2-89CED795FC39}"/>
+                <a16:creationId xmlns:a16="http://schemas.microsoft.com/office/drawing/2014/main" id="{E6E7ED79-1EC8-31FD-382E-2F66956F0366}"/>
               </a:ext>
             </a:extLst>
           </p:cNvPr>
@@ -236,7 +236,7 @@
           <p:cNvPr id="4" name="日期占位符 3">
             <a:extLst>
               <a:ext uri="{FF2B5EF4-FFF2-40B4-BE49-F238E27FC236}">
-                <a16:creationId xmlns:a16="http://schemas.microsoft.com/office/drawing/2014/main" id="{3001969C-813A-FC8B-08B8-D512F11736DF}"/>
+                <a16:creationId xmlns:a16="http://schemas.microsoft.com/office/drawing/2014/main" id="{E7CAAFB8-7637-6319-4962-888C55CA0574}"/>
               </a:ext>
             </a:extLst>
           </p:cNvPr>
@@ -252,7 +252,7 @@
           <a:bodyPr/>
           <a:lstStyle/>
           <a:p>
-            <a:fld id="{B3FC35F1-E10A-43DF-8613-982E25C8C4F5}" type="datetimeFigureOut">
+            <a:fld id="{E6873240-48C0-44D5-975F-33F5C8934432}" type="datetimeFigureOut">
               <a:rPr lang="zh-CN" altLang="en-US" smtClean="0"/>
               <a:t>2024/3/10</a:t>
             </a:fld>
@@ -265,7 +265,7 @@
           <p:cNvPr id="5" name="页脚占位符 4">
             <a:extLst>
               <a:ext uri="{FF2B5EF4-FFF2-40B4-BE49-F238E27FC236}">
-                <a16:creationId xmlns:a16="http://schemas.microsoft.com/office/drawing/2014/main" id="{62988CE2-8826-9672-C2DE-F58A5C08A46D}"/>
+                <a16:creationId xmlns:a16="http://schemas.microsoft.com/office/drawing/2014/main" id="{33D2821A-8A1B-5B41-B035-22339783DE1E}"/>
               </a:ext>
             </a:extLst>
           </p:cNvPr>
@@ -290,7 +290,7 @@
           <p:cNvPr id="6" name="灯片编号占位符 5">
             <a:extLst>
               <a:ext uri="{FF2B5EF4-FFF2-40B4-BE49-F238E27FC236}">
-                <a16:creationId xmlns:a16="http://schemas.microsoft.com/office/drawing/2014/main" id="{7F97BFE7-C071-6A95-5FE6-1DCEEA73B147}"/>
+                <a16:creationId xmlns:a16="http://schemas.microsoft.com/office/drawing/2014/main" id="{632D7008-28EF-78F0-5DF4-A68AEDD60948}"/>
               </a:ext>
             </a:extLst>
           </p:cNvPr>
@@ -306,7 +306,7 @@
           <a:bodyPr/>
           <a:lstStyle/>
           <a:p>
-            <a:fld id="{D87DEDA7-43D6-44D4-9FDD-57C05377FD4E}" type="slidenum">
+            <a:fld id="{FBEE3130-5C15-46A8-A760-9D749BFB6AB2}" type="slidenum">
               <a:rPr lang="zh-CN" altLang="en-US" smtClean="0"/>
               <a:t>‹#›</a:t>
             </a:fld>
@@ -317,7 +317,7 @@
     </p:spTree>
     <p:extLst>
       <p:ext uri="{BB962C8B-B14F-4D97-AF65-F5344CB8AC3E}">
-        <p14:creationId xmlns:p14="http://schemas.microsoft.com/office/powerpoint/2010/main" val="3494994032"/>
+        <p14:creationId xmlns:p14="http://schemas.microsoft.com/office/powerpoint/2010/main" val="2001117602"/>
       </p:ext>
     </p:extLst>
   </p:cSld>
@@ -349,7 +349,7 @@
           <p:cNvPr id="2" name="标题 1">
             <a:extLst>
               <a:ext uri="{FF2B5EF4-FFF2-40B4-BE49-F238E27FC236}">
-                <a16:creationId xmlns:a16="http://schemas.microsoft.com/office/drawing/2014/main" id="{5A0807D4-376B-FD8C-00F1-877776331C46}"/>
+                <a16:creationId xmlns:a16="http://schemas.microsoft.com/office/drawing/2014/main" id="{4772B347-EDCA-A7CB-4993-59A34C17EDC4}"/>
               </a:ext>
             </a:extLst>
           </p:cNvPr>
@@ -377,7 +377,7 @@
           <p:cNvPr id="3" name="竖排文字占位符 2">
             <a:extLst>
               <a:ext uri="{FF2B5EF4-FFF2-40B4-BE49-F238E27FC236}">
-                <a16:creationId xmlns:a16="http://schemas.microsoft.com/office/drawing/2014/main" id="{A5324BCE-6BDE-5693-B942-100B96AA9B7D}"/>
+                <a16:creationId xmlns:a16="http://schemas.microsoft.com/office/drawing/2014/main" id="{A1A53729-11D7-45CB-4380-2483D6C1860C}"/>
               </a:ext>
             </a:extLst>
           </p:cNvPr>
@@ -434,7 +434,7 @@
           <p:cNvPr id="4" name="日期占位符 3">
             <a:extLst>
               <a:ext uri="{FF2B5EF4-FFF2-40B4-BE49-F238E27FC236}">
-                <a16:creationId xmlns:a16="http://schemas.microsoft.com/office/drawing/2014/main" id="{F4870CAA-B28F-D172-6721-E77CEFC96BA0}"/>
+                <a16:creationId xmlns:a16="http://schemas.microsoft.com/office/drawing/2014/main" id="{307BECC2-054B-1447-2620-FC928758BCF5}"/>
               </a:ext>
             </a:extLst>
           </p:cNvPr>
@@ -450,7 +450,7 @@
           <a:bodyPr/>
           <a:lstStyle/>
           <a:p>
-            <a:fld id="{B3FC35F1-E10A-43DF-8613-982E25C8C4F5}" type="datetimeFigureOut">
+            <a:fld id="{E6873240-48C0-44D5-975F-33F5C8934432}" type="datetimeFigureOut">
               <a:rPr lang="zh-CN" altLang="en-US" smtClean="0"/>
               <a:t>2024/3/10</a:t>
             </a:fld>
@@ -463,7 +463,7 @@
           <p:cNvPr id="5" name="页脚占位符 4">
             <a:extLst>
               <a:ext uri="{FF2B5EF4-FFF2-40B4-BE49-F238E27FC236}">
-                <a16:creationId xmlns:a16="http://schemas.microsoft.com/office/drawing/2014/main" id="{B1E18008-4243-F642-4FEF-5CE107D9C82D}"/>
+                <a16:creationId xmlns:a16="http://schemas.microsoft.com/office/drawing/2014/main" id="{FA18D629-35C4-8A15-CE67-4F69E0E33131}"/>
               </a:ext>
             </a:extLst>
           </p:cNvPr>
@@ -488,7 +488,7 @@
           <p:cNvPr id="6" name="灯片编号占位符 5">
             <a:extLst>
               <a:ext uri="{FF2B5EF4-FFF2-40B4-BE49-F238E27FC236}">
-                <a16:creationId xmlns:a16="http://schemas.microsoft.com/office/drawing/2014/main" id="{3BAF938B-C811-9365-7414-F1A89730D362}"/>
+                <a16:creationId xmlns:a16="http://schemas.microsoft.com/office/drawing/2014/main" id="{7C7DD3BB-2CFF-FC18-13AB-A356F1318DB2}"/>
               </a:ext>
             </a:extLst>
           </p:cNvPr>
@@ -504,7 +504,7 @@
           <a:bodyPr/>
           <a:lstStyle/>
           <a:p>
-            <a:fld id="{D87DEDA7-43D6-44D4-9FDD-57C05377FD4E}" type="slidenum">
+            <a:fld id="{FBEE3130-5C15-46A8-A760-9D749BFB6AB2}" type="slidenum">
               <a:rPr lang="zh-CN" altLang="en-US" smtClean="0"/>
               <a:t>‹#›</a:t>
             </a:fld>
@@ -515,7 +515,7 @@
     </p:spTree>
     <p:extLst>
       <p:ext uri="{BB962C8B-B14F-4D97-AF65-F5344CB8AC3E}">
-        <p14:creationId xmlns:p14="http://schemas.microsoft.com/office/powerpoint/2010/main" val="3480059467"/>
+        <p14:creationId xmlns:p14="http://schemas.microsoft.com/office/powerpoint/2010/main" val="681113252"/>
       </p:ext>
     </p:extLst>
   </p:cSld>
@@ -547,7 +547,7 @@
           <p:cNvPr id="2" name="竖排标题 1">
             <a:extLst>
               <a:ext uri="{FF2B5EF4-FFF2-40B4-BE49-F238E27FC236}">
-                <a16:creationId xmlns:a16="http://schemas.microsoft.com/office/drawing/2014/main" id="{7D38A667-983E-0FA3-9009-46BAB1C5C968}"/>
+                <a16:creationId xmlns:a16="http://schemas.microsoft.com/office/drawing/2014/main" id="{17B64AA2-F46B-E97D-DDFE-CD9A39C99AF6}"/>
               </a:ext>
             </a:extLst>
           </p:cNvPr>
@@ -580,7 +580,7 @@
           <p:cNvPr id="3" name="竖排文字占位符 2">
             <a:extLst>
               <a:ext uri="{FF2B5EF4-FFF2-40B4-BE49-F238E27FC236}">
-                <a16:creationId xmlns:a16="http://schemas.microsoft.com/office/drawing/2014/main" id="{534D3E60-FCBD-6C9E-7293-9601AEDEA6E0}"/>
+                <a16:creationId xmlns:a16="http://schemas.microsoft.com/office/drawing/2014/main" id="{EE756370-440A-F9C5-7EB2-4C581E5B790B}"/>
               </a:ext>
             </a:extLst>
           </p:cNvPr>
@@ -642,7 +642,7 @@
           <p:cNvPr id="4" name="日期占位符 3">
             <a:extLst>
               <a:ext uri="{FF2B5EF4-FFF2-40B4-BE49-F238E27FC236}">
-                <a16:creationId xmlns:a16="http://schemas.microsoft.com/office/drawing/2014/main" id="{161C84E2-FBD0-5B79-A382-B6BEFE049626}"/>
+                <a16:creationId xmlns:a16="http://schemas.microsoft.com/office/drawing/2014/main" id="{56A18E55-698E-9609-4902-4129DEFC5C4D}"/>
               </a:ext>
             </a:extLst>
           </p:cNvPr>
@@ -658,7 +658,7 @@
           <a:bodyPr/>
           <a:lstStyle/>
           <a:p>
-            <a:fld id="{B3FC35F1-E10A-43DF-8613-982E25C8C4F5}" type="datetimeFigureOut">
+            <a:fld id="{E6873240-48C0-44D5-975F-33F5C8934432}" type="datetimeFigureOut">
               <a:rPr lang="zh-CN" altLang="en-US" smtClean="0"/>
               <a:t>2024/3/10</a:t>
             </a:fld>
@@ -671,7 +671,7 @@
           <p:cNvPr id="5" name="页脚占位符 4">
             <a:extLst>
               <a:ext uri="{FF2B5EF4-FFF2-40B4-BE49-F238E27FC236}">
-                <a16:creationId xmlns:a16="http://schemas.microsoft.com/office/drawing/2014/main" id="{2D59C329-279F-6FD1-0442-BBCC03E00DB9}"/>
+                <a16:creationId xmlns:a16="http://schemas.microsoft.com/office/drawing/2014/main" id="{2B8F376B-8A1E-6916-475D-71732804CF13}"/>
               </a:ext>
             </a:extLst>
           </p:cNvPr>
@@ -696,7 +696,7 @@
           <p:cNvPr id="6" name="灯片编号占位符 5">
             <a:extLst>
               <a:ext uri="{FF2B5EF4-FFF2-40B4-BE49-F238E27FC236}">
-                <a16:creationId xmlns:a16="http://schemas.microsoft.com/office/drawing/2014/main" id="{F1BFB850-2891-9C1A-2A4E-28786D33DA4C}"/>
+                <a16:creationId xmlns:a16="http://schemas.microsoft.com/office/drawing/2014/main" id="{F4CB5E99-4EEF-32BA-7256-A94F7482400E}"/>
               </a:ext>
             </a:extLst>
           </p:cNvPr>
@@ -712,7 +712,7 @@
           <a:bodyPr/>
           <a:lstStyle/>
           <a:p>
-            <a:fld id="{D87DEDA7-43D6-44D4-9FDD-57C05377FD4E}" type="slidenum">
+            <a:fld id="{FBEE3130-5C15-46A8-A760-9D749BFB6AB2}" type="slidenum">
               <a:rPr lang="zh-CN" altLang="en-US" smtClean="0"/>
               <a:t>‹#›</a:t>
             </a:fld>
@@ -723,7 +723,7 @@
     </p:spTree>
     <p:extLst>
       <p:ext uri="{BB962C8B-B14F-4D97-AF65-F5344CB8AC3E}">
-        <p14:creationId xmlns:p14="http://schemas.microsoft.com/office/powerpoint/2010/main" val="568747872"/>
+        <p14:creationId xmlns:p14="http://schemas.microsoft.com/office/powerpoint/2010/main" val="2526391117"/>
       </p:ext>
     </p:extLst>
   </p:cSld>
@@ -755,7 +755,7 @@
           <p:cNvPr id="2" name="标题 1">
             <a:extLst>
               <a:ext uri="{FF2B5EF4-FFF2-40B4-BE49-F238E27FC236}">
-                <a16:creationId xmlns:a16="http://schemas.microsoft.com/office/drawing/2014/main" id="{AAAEDCC3-D499-61B8-F1F7-91562A9D1975}"/>
+                <a16:creationId xmlns:a16="http://schemas.microsoft.com/office/drawing/2014/main" id="{40AB5A44-6763-FF1E-756D-CABD39F9F3C5}"/>
               </a:ext>
             </a:extLst>
           </p:cNvPr>
@@ -783,7 +783,7 @@
           <p:cNvPr id="3" name="内容占位符 2">
             <a:extLst>
               <a:ext uri="{FF2B5EF4-FFF2-40B4-BE49-F238E27FC236}">
-                <a16:creationId xmlns:a16="http://schemas.microsoft.com/office/drawing/2014/main" id="{BA49C33B-56AF-7221-4AF9-CB831014542B}"/>
+                <a16:creationId xmlns:a16="http://schemas.microsoft.com/office/drawing/2014/main" id="{7821A236-6C81-1C43-0028-43318B425135}"/>
               </a:ext>
             </a:extLst>
           </p:cNvPr>
@@ -840,7 +840,7 @@
           <p:cNvPr id="4" name="日期占位符 3">
             <a:extLst>
               <a:ext uri="{FF2B5EF4-FFF2-40B4-BE49-F238E27FC236}">
-                <a16:creationId xmlns:a16="http://schemas.microsoft.com/office/drawing/2014/main" id="{BD3F4AB7-8BAB-F7EA-CF9B-57EC37AFC50D}"/>
+                <a16:creationId xmlns:a16="http://schemas.microsoft.com/office/drawing/2014/main" id="{F69AC0C1-AB0A-2DFF-0692-DA71A194FA0B}"/>
               </a:ext>
             </a:extLst>
           </p:cNvPr>
@@ -856,7 +856,7 @@
           <a:bodyPr/>
           <a:lstStyle/>
           <a:p>
-            <a:fld id="{B3FC35F1-E10A-43DF-8613-982E25C8C4F5}" type="datetimeFigureOut">
+            <a:fld id="{E6873240-48C0-44D5-975F-33F5C8934432}" type="datetimeFigureOut">
               <a:rPr lang="zh-CN" altLang="en-US" smtClean="0"/>
               <a:t>2024/3/10</a:t>
             </a:fld>
@@ -869,7 +869,7 @@
           <p:cNvPr id="5" name="页脚占位符 4">
             <a:extLst>
               <a:ext uri="{FF2B5EF4-FFF2-40B4-BE49-F238E27FC236}">
-                <a16:creationId xmlns:a16="http://schemas.microsoft.com/office/drawing/2014/main" id="{2905F7E5-9798-04BB-5EEE-63FE2F33FAB6}"/>
+                <a16:creationId xmlns:a16="http://schemas.microsoft.com/office/drawing/2014/main" id="{E56A0878-7A3A-FC2B-B5BE-399FBB253F41}"/>
               </a:ext>
             </a:extLst>
           </p:cNvPr>
@@ -894,7 +894,7 @@
           <p:cNvPr id="6" name="灯片编号占位符 5">
             <a:extLst>
               <a:ext uri="{FF2B5EF4-FFF2-40B4-BE49-F238E27FC236}">
-                <a16:creationId xmlns:a16="http://schemas.microsoft.com/office/drawing/2014/main" id="{467AF6D3-8F3B-DFF4-B545-24EFE3F24FC9}"/>
+                <a16:creationId xmlns:a16="http://schemas.microsoft.com/office/drawing/2014/main" id="{31B34088-A885-1C8C-7065-F64D1218A989}"/>
               </a:ext>
             </a:extLst>
           </p:cNvPr>
@@ -910,7 +910,7 @@
           <a:bodyPr/>
           <a:lstStyle/>
           <a:p>
-            <a:fld id="{D87DEDA7-43D6-44D4-9FDD-57C05377FD4E}" type="slidenum">
+            <a:fld id="{FBEE3130-5C15-46A8-A760-9D749BFB6AB2}" type="slidenum">
               <a:rPr lang="zh-CN" altLang="en-US" smtClean="0"/>
               <a:t>‹#›</a:t>
             </a:fld>
@@ -921,7 +921,7 @@
     </p:spTree>
     <p:extLst>
       <p:ext uri="{BB962C8B-B14F-4D97-AF65-F5344CB8AC3E}">
-        <p14:creationId xmlns:p14="http://schemas.microsoft.com/office/powerpoint/2010/main" val="1908521710"/>
+        <p14:creationId xmlns:p14="http://schemas.microsoft.com/office/powerpoint/2010/main" val="2615440847"/>
       </p:ext>
     </p:extLst>
   </p:cSld>
@@ -953,7 +953,7 @@
           <p:cNvPr id="2" name="标题 1">
             <a:extLst>
               <a:ext uri="{FF2B5EF4-FFF2-40B4-BE49-F238E27FC236}">
-                <a16:creationId xmlns:a16="http://schemas.microsoft.com/office/drawing/2014/main" id="{46B0668F-9EDF-F6AC-F757-4E4559CE5B8D}"/>
+                <a16:creationId xmlns:a16="http://schemas.microsoft.com/office/drawing/2014/main" id="{EDDA2E8E-3AE9-57D8-3BEE-25214AF60FD0}"/>
               </a:ext>
             </a:extLst>
           </p:cNvPr>
@@ -990,7 +990,7 @@
           <p:cNvPr id="3" name="文本占位符 2">
             <a:extLst>
               <a:ext uri="{FF2B5EF4-FFF2-40B4-BE49-F238E27FC236}">
-                <a16:creationId xmlns:a16="http://schemas.microsoft.com/office/drawing/2014/main" id="{90E94ACE-2B6A-FF8A-4EF4-77801A29C90D}"/>
+                <a16:creationId xmlns:a16="http://schemas.microsoft.com/office/drawing/2014/main" id="{05B3CFD9-BEF1-DC71-78BE-0DA43A151814}"/>
               </a:ext>
             </a:extLst>
           </p:cNvPr>
@@ -1115,7 +1115,7 @@
           <p:cNvPr id="4" name="日期占位符 3">
             <a:extLst>
               <a:ext uri="{FF2B5EF4-FFF2-40B4-BE49-F238E27FC236}">
-                <a16:creationId xmlns:a16="http://schemas.microsoft.com/office/drawing/2014/main" id="{A7BAE626-BAA7-B89D-7739-220777F8E5B2}"/>
+                <a16:creationId xmlns:a16="http://schemas.microsoft.com/office/drawing/2014/main" id="{B3C5DAC9-B0C0-13C8-6E2F-63D0E84C263A}"/>
               </a:ext>
             </a:extLst>
           </p:cNvPr>
@@ -1131,7 +1131,7 @@
           <a:bodyPr/>
           <a:lstStyle/>
           <a:p>
-            <a:fld id="{B3FC35F1-E10A-43DF-8613-982E25C8C4F5}" type="datetimeFigureOut">
+            <a:fld id="{E6873240-48C0-44D5-975F-33F5C8934432}" type="datetimeFigureOut">
               <a:rPr lang="zh-CN" altLang="en-US" smtClean="0"/>
               <a:t>2024/3/10</a:t>
             </a:fld>
@@ -1144,7 +1144,7 @@
           <p:cNvPr id="5" name="页脚占位符 4">
             <a:extLst>
               <a:ext uri="{FF2B5EF4-FFF2-40B4-BE49-F238E27FC236}">
-                <a16:creationId xmlns:a16="http://schemas.microsoft.com/office/drawing/2014/main" id="{18F1B77D-D1D3-FDB5-9B8A-C90F1C644E78}"/>
+                <a16:creationId xmlns:a16="http://schemas.microsoft.com/office/drawing/2014/main" id="{A60379C7-AA00-F288-706E-5DB7549E586A}"/>
               </a:ext>
             </a:extLst>
           </p:cNvPr>
@@ -1169,7 +1169,7 @@
           <p:cNvPr id="6" name="灯片编号占位符 5">
             <a:extLst>
               <a:ext uri="{FF2B5EF4-FFF2-40B4-BE49-F238E27FC236}">
-                <a16:creationId xmlns:a16="http://schemas.microsoft.com/office/drawing/2014/main" id="{40A778E5-171F-2867-D3CD-68274F8556B8}"/>
+                <a16:creationId xmlns:a16="http://schemas.microsoft.com/office/drawing/2014/main" id="{5BCA550C-C879-DF4E-8C0F-DD946FF66646}"/>
               </a:ext>
             </a:extLst>
           </p:cNvPr>
@@ -1185,7 +1185,7 @@
           <a:bodyPr/>
           <a:lstStyle/>
           <a:p>
-            <a:fld id="{D87DEDA7-43D6-44D4-9FDD-57C05377FD4E}" type="slidenum">
+            <a:fld id="{FBEE3130-5C15-46A8-A760-9D749BFB6AB2}" type="slidenum">
               <a:rPr lang="zh-CN" altLang="en-US" smtClean="0"/>
               <a:t>‹#›</a:t>
             </a:fld>
@@ -1196,7 +1196,7 @@
     </p:spTree>
     <p:extLst>
       <p:ext uri="{BB962C8B-B14F-4D97-AF65-F5344CB8AC3E}">
-        <p14:creationId xmlns:p14="http://schemas.microsoft.com/office/powerpoint/2010/main" val="1470698469"/>
+        <p14:creationId xmlns:p14="http://schemas.microsoft.com/office/powerpoint/2010/main" val="1208307423"/>
       </p:ext>
     </p:extLst>
   </p:cSld>
@@ -1228,7 +1228,7 @@
           <p:cNvPr id="2" name="标题 1">
             <a:extLst>
               <a:ext uri="{FF2B5EF4-FFF2-40B4-BE49-F238E27FC236}">
-                <a16:creationId xmlns:a16="http://schemas.microsoft.com/office/drawing/2014/main" id="{9DD56C34-39BD-77E3-3DBB-1361C2171D82}"/>
+                <a16:creationId xmlns:a16="http://schemas.microsoft.com/office/drawing/2014/main" id="{B8CED735-868C-181C-6C8F-E1C58B55201C}"/>
               </a:ext>
             </a:extLst>
           </p:cNvPr>
@@ -1256,7 +1256,7 @@
           <p:cNvPr id="3" name="内容占位符 2">
             <a:extLst>
               <a:ext uri="{FF2B5EF4-FFF2-40B4-BE49-F238E27FC236}">
-                <a16:creationId xmlns:a16="http://schemas.microsoft.com/office/drawing/2014/main" id="{E884B00D-BB5D-3F24-752C-518496C66BF4}"/>
+                <a16:creationId xmlns:a16="http://schemas.microsoft.com/office/drawing/2014/main" id="{4C05F583-0347-17BF-FC21-DCB239927EBD}"/>
               </a:ext>
             </a:extLst>
           </p:cNvPr>
@@ -1318,7 +1318,7 @@
           <p:cNvPr id="4" name="内容占位符 3">
             <a:extLst>
               <a:ext uri="{FF2B5EF4-FFF2-40B4-BE49-F238E27FC236}">
-                <a16:creationId xmlns:a16="http://schemas.microsoft.com/office/drawing/2014/main" id="{CBA3A55A-EE9F-ECEF-14AD-EB4EB08A79BE}"/>
+                <a16:creationId xmlns:a16="http://schemas.microsoft.com/office/drawing/2014/main" id="{398513DD-CD0E-B2E9-3879-BDBCC9BCDEF5}"/>
               </a:ext>
             </a:extLst>
           </p:cNvPr>
@@ -1380,7 +1380,7 @@
           <p:cNvPr id="5" name="日期占位符 4">
             <a:extLst>
               <a:ext uri="{FF2B5EF4-FFF2-40B4-BE49-F238E27FC236}">
-                <a16:creationId xmlns:a16="http://schemas.microsoft.com/office/drawing/2014/main" id="{17754A65-6E77-3F72-AA0D-D1498D64AE39}"/>
+                <a16:creationId xmlns:a16="http://schemas.microsoft.com/office/drawing/2014/main" id="{1F9EBE48-38FB-F096-3288-5C2571749990}"/>
               </a:ext>
             </a:extLst>
           </p:cNvPr>
@@ -1396,7 +1396,7 @@
           <a:bodyPr/>
           <a:lstStyle/>
           <a:p>
-            <a:fld id="{B3FC35F1-E10A-43DF-8613-982E25C8C4F5}" type="datetimeFigureOut">
+            <a:fld id="{E6873240-48C0-44D5-975F-33F5C8934432}" type="datetimeFigureOut">
               <a:rPr lang="zh-CN" altLang="en-US" smtClean="0"/>
               <a:t>2024/3/10</a:t>
             </a:fld>
@@ -1409,7 +1409,7 @@
           <p:cNvPr id="6" name="页脚占位符 5">
             <a:extLst>
               <a:ext uri="{FF2B5EF4-FFF2-40B4-BE49-F238E27FC236}">
-                <a16:creationId xmlns:a16="http://schemas.microsoft.com/office/drawing/2014/main" id="{8CE27839-5D63-0F0A-F5EC-6F4DED44EBD3}"/>
+                <a16:creationId xmlns:a16="http://schemas.microsoft.com/office/drawing/2014/main" id="{9FBD54C0-237C-56CB-8821-242B9FDF7DF5}"/>
               </a:ext>
             </a:extLst>
           </p:cNvPr>
@@ -1434,7 +1434,7 @@
           <p:cNvPr id="7" name="灯片编号占位符 6">
             <a:extLst>
               <a:ext uri="{FF2B5EF4-FFF2-40B4-BE49-F238E27FC236}">
-                <a16:creationId xmlns:a16="http://schemas.microsoft.com/office/drawing/2014/main" id="{DE8760C7-1C8A-BE26-4EC5-DA442459D6E3}"/>
+                <a16:creationId xmlns:a16="http://schemas.microsoft.com/office/drawing/2014/main" id="{D36024A7-D6E5-67D4-E86A-418A73890A2F}"/>
               </a:ext>
             </a:extLst>
           </p:cNvPr>
@@ -1450,7 +1450,7 @@
           <a:bodyPr/>
           <a:lstStyle/>
           <a:p>
-            <a:fld id="{D87DEDA7-43D6-44D4-9FDD-57C05377FD4E}" type="slidenum">
+            <a:fld id="{FBEE3130-5C15-46A8-A760-9D749BFB6AB2}" type="slidenum">
               <a:rPr lang="zh-CN" altLang="en-US" smtClean="0"/>
               <a:t>‹#›</a:t>
             </a:fld>
@@ -1461,7 +1461,7 @@
     </p:spTree>
     <p:extLst>
       <p:ext uri="{BB962C8B-B14F-4D97-AF65-F5344CB8AC3E}">
-        <p14:creationId xmlns:p14="http://schemas.microsoft.com/office/powerpoint/2010/main" val="2471453918"/>
+        <p14:creationId xmlns:p14="http://schemas.microsoft.com/office/powerpoint/2010/main" val="44970817"/>
       </p:ext>
     </p:extLst>
   </p:cSld>
@@ -1493,7 +1493,7 @@
           <p:cNvPr id="2" name="标题 1">
             <a:extLst>
               <a:ext uri="{FF2B5EF4-FFF2-40B4-BE49-F238E27FC236}">
-                <a16:creationId xmlns:a16="http://schemas.microsoft.com/office/drawing/2014/main" id="{D5953969-223C-DD1A-E6DF-A3C37ACC57DC}"/>
+                <a16:creationId xmlns:a16="http://schemas.microsoft.com/office/drawing/2014/main" id="{04C6F265-5235-C154-8094-84962BC8C3DD}"/>
               </a:ext>
             </a:extLst>
           </p:cNvPr>
@@ -1526,7 +1526,7 @@
           <p:cNvPr id="3" name="文本占位符 2">
             <a:extLst>
               <a:ext uri="{FF2B5EF4-FFF2-40B4-BE49-F238E27FC236}">
-                <a16:creationId xmlns:a16="http://schemas.microsoft.com/office/drawing/2014/main" id="{E699289C-ABDB-7443-8B53-8C7D16B4A353}"/>
+                <a16:creationId xmlns:a16="http://schemas.microsoft.com/office/drawing/2014/main" id="{8BD347A3-3399-92C7-5554-BCDB4CE45970}"/>
               </a:ext>
             </a:extLst>
           </p:cNvPr>
@@ -1597,7 +1597,7 @@
           <p:cNvPr id="4" name="内容占位符 3">
             <a:extLst>
               <a:ext uri="{FF2B5EF4-FFF2-40B4-BE49-F238E27FC236}">
-                <a16:creationId xmlns:a16="http://schemas.microsoft.com/office/drawing/2014/main" id="{4FFBA708-5088-4425-A139-F67A877C3058}"/>
+                <a16:creationId xmlns:a16="http://schemas.microsoft.com/office/drawing/2014/main" id="{373A170B-9A4F-D839-ED38-AC4672004E3C}"/>
               </a:ext>
             </a:extLst>
           </p:cNvPr>
@@ -1659,7 +1659,7 @@
           <p:cNvPr id="5" name="文本占位符 4">
             <a:extLst>
               <a:ext uri="{FF2B5EF4-FFF2-40B4-BE49-F238E27FC236}">
-                <a16:creationId xmlns:a16="http://schemas.microsoft.com/office/drawing/2014/main" id="{64CA6522-568E-43D6-FE64-2E0774CF1CB1}"/>
+                <a16:creationId xmlns:a16="http://schemas.microsoft.com/office/drawing/2014/main" id="{75A8CA66-4938-E2B8-7D6B-DA9CE82E9D60}"/>
               </a:ext>
             </a:extLst>
           </p:cNvPr>
@@ -1730,7 +1730,7 @@
           <p:cNvPr id="6" name="内容占位符 5">
             <a:extLst>
               <a:ext uri="{FF2B5EF4-FFF2-40B4-BE49-F238E27FC236}">
-                <a16:creationId xmlns:a16="http://schemas.microsoft.com/office/drawing/2014/main" id="{D279681C-B255-E699-2089-D302237FCBDD}"/>
+                <a16:creationId xmlns:a16="http://schemas.microsoft.com/office/drawing/2014/main" id="{1FF237D8-F741-1C65-7ACD-27DA1DE2C518}"/>
               </a:ext>
             </a:extLst>
           </p:cNvPr>
@@ -1792,7 +1792,7 @@
           <p:cNvPr id="7" name="日期占位符 6">
             <a:extLst>
               <a:ext uri="{FF2B5EF4-FFF2-40B4-BE49-F238E27FC236}">
-                <a16:creationId xmlns:a16="http://schemas.microsoft.com/office/drawing/2014/main" id="{9FFC59E1-881F-20F6-1DC4-D5DB35A75EC4}"/>
+                <a16:creationId xmlns:a16="http://schemas.microsoft.com/office/drawing/2014/main" id="{7FC9C293-4C4E-57B1-9722-AE35D2B755A4}"/>
               </a:ext>
             </a:extLst>
           </p:cNvPr>
@@ -1808,7 +1808,7 @@
           <a:bodyPr/>
           <a:lstStyle/>
           <a:p>
-            <a:fld id="{B3FC35F1-E10A-43DF-8613-982E25C8C4F5}" type="datetimeFigureOut">
+            <a:fld id="{E6873240-48C0-44D5-975F-33F5C8934432}" type="datetimeFigureOut">
               <a:rPr lang="zh-CN" altLang="en-US" smtClean="0"/>
               <a:t>2024/3/10</a:t>
             </a:fld>
@@ -1821,7 +1821,7 @@
           <p:cNvPr id="8" name="页脚占位符 7">
             <a:extLst>
               <a:ext uri="{FF2B5EF4-FFF2-40B4-BE49-F238E27FC236}">
-                <a16:creationId xmlns:a16="http://schemas.microsoft.com/office/drawing/2014/main" id="{94BC12A0-918D-B7B6-43AD-DE8455F15D0B}"/>
+                <a16:creationId xmlns:a16="http://schemas.microsoft.com/office/drawing/2014/main" id="{FF396C3D-FE18-7F4C-0772-7666C51D82B2}"/>
               </a:ext>
             </a:extLst>
           </p:cNvPr>
@@ -1846,7 +1846,7 @@
           <p:cNvPr id="9" name="灯片编号占位符 8">
             <a:extLst>
               <a:ext uri="{FF2B5EF4-FFF2-40B4-BE49-F238E27FC236}">
-                <a16:creationId xmlns:a16="http://schemas.microsoft.com/office/drawing/2014/main" id="{CA541673-72ED-7D8C-781A-9B366E4C4542}"/>
+                <a16:creationId xmlns:a16="http://schemas.microsoft.com/office/drawing/2014/main" id="{F9FBBC5F-A70A-AF3C-0039-E5743C1F8414}"/>
               </a:ext>
             </a:extLst>
           </p:cNvPr>
@@ -1862,7 +1862,7 @@
           <a:bodyPr/>
           <a:lstStyle/>
           <a:p>
-            <a:fld id="{D87DEDA7-43D6-44D4-9FDD-57C05377FD4E}" type="slidenum">
+            <a:fld id="{FBEE3130-5C15-46A8-A760-9D749BFB6AB2}" type="slidenum">
               <a:rPr lang="zh-CN" altLang="en-US" smtClean="0"/>
               <a:t>‹#›</a:t>
             </a:fld>
@@ -1873,7 +1873,7 @@
     </p:spTree>
     <p:extLst>
       <p:ext uri="{BB962C8B-B14F-4D97-AF65-F5344CB8AC3E}">
-        <p14:creationId xmlns:p14="http://schemas.microsoft.com/office/powerpoint/2010/main" val="757370141"/>
+        <p14:creationId xmlns:p14="http://schemas.microsoft.com/office/powerpoint/2010/main" val="869494726"/>
       </p:ext>
     </p:extLst>
   </p:cSld>
@@ -1905,7 +1905,7 @@
           <p:cNvPr id="2" name="标题 1">
             <a:extLst>
               <a:ext uri="{FF2B5EF4-FFF2-40B4-BE49-F238E27FC236}">
-                <a16:creationId xmlns:a16="http://schemas.microsoft.com/office/drawing/2014/main" id="{27FCFDD7-C602-0F24-E010-50BB40C5D633}"/>
+                <a16:creationId xmlns:a16="http://schemas.microsoft.com/office/drawing/2014/main" id="{9CA381B1-9344-206F-2E16-6A15964C3A14}"/>
               </a:ext>
             </a:extLst>
           </p:cNvPr>
@@ -1933,7 +1933,7 @@
           <p:cNvPr id="3" name="日期占位符 2">
             <a:extLst>
               <a:ext uri="{FF2B5EF4-FFF2-40B4-BE49-F238E27FC236}">
-                <a16:creationId xmlns:a16="http://schemas.microsoft.com/office/drawing/2014/main" id="{2BEB8C9D-DD48-64B1-D1C1-F313E2DCCC91}"/>
+                <a16:creationId xmlns:a16="http://schemas.microsoft.com/office/drawing/2014/main" id="{6D33CC15-CBA2-A2FF-C4F1-EAF5CF4683FD}"/>
               </a:ext>
             </a:extLst>
           </p:cNvPr>
@@ -1949,7 +1949,7 @@
           <a:bodyPr/>
           <a:lstStyle/>
           <a:p>
-            <a:fld id="{B3FC35F1-E10A-43DF-8613-982E25C8C4F5}" type="datetimeFigureOut">
+            <a:fld id="{E6873240-48C0-44D5-975F-33F5C8934432}" type="datetimeFigureOut">
               <a:rPr lang="zh-CN" altLang="en-US" smtClean="0"/>
               <a:t>2024/3/10</a:t>
             </a:fld>
@@ -1962,7 +1962,7 @@
           <p:cNvPr id="4" name="页脚占位符 3">
             <a:extLst>
               <a:ext uri="{FF2B5EF4-FFF2-40B4-BE49-F238E27FC236}">
-                <a16:creationId xmlns:a16="http://schemas.microsoft.com/office/drawing/2014/main" id="{DD2EBD21-C709-709A-E0ED-FF799DF3F37C}"/>
+                <a16:creationId xmlns:a16="http://schemas.microsoft.com/office/drawing/2014/main" id="{1E502AB1-4DDD-3B22-DB9A-7C420A15A697}"/>
               </a:ext>
             </a:extLst>
           </p:cNvPr>
@@ -1987,7 +1987,7 @@
           <p:cNvPr id="5" name="灯片编号占位符 4">
             <a:extLst>
               <a:ext uri="{FF2B5EF4-FFF2-40B4-BE49-F238E27FC236}">
-                <a16:creationId xmlns:a16="http://schemas.microsoft.com/office/drawing/2014/main" id="{EF21AC2D-5C02-9E12-0CD7-2581AB933384}"/>
+                <a16:creationId xmlns:a16="http://schemas.microsoft.com/office/drawing/2014/main" id="{FF57EE6F-E495-8A24-7EDE-9E53BAA441E4}"/>
               </a:ext>
             </a:extLst>
           </p:cNvPr>
@@ -2003,7 +2003,7 @@
           <a:bodyPr/>
           <a:lstStyle/>
           <a:p>
-            <a:fld id="{D87DEDA7-43D6-44D4-9FDD-57C05377FD4E}" type="slidenum">
+            <a:fld id="{FBEE3130-5C15-46A8-A760-9D749BFB6AB2}" type="slidenum">
               <a:rPr lang="zh-CN" altLang="en-US" smtClean="0"/>
               <a:t>‹#›</a:t>
             </a:fld>
@@ -2014,7 +2014,7 @@
     </p:spTree>
     <p:extLst>
       <p:ext uri="{BB962C8B-B14F-4D97-AF65-F5344CB8AC3E}">
-        <p14:creationId xmlns:p14="http://schemas.microsoft.com/office/powerpoint/2010/main" val="91479536"/>
+        <p14:creationId xmlns:p14="http://schemas.microsoft.com/office/powerpoint/2010/main" val="1176185044"/>
       </p:ext>
     </p:extLst>
   </p:cSld>
@@ -2046,7 +2046,7 @@
           <p:cNvPr id="2" name="日期占位符 1">
             <a:extLst>
               <a:ext uri="{FF2B5EF4-FFF2-40B4-BE49-F238E27FC236}">
-                <a16:creationId xmlns:a16="http://schemas.microsoft.com/office/drawing/2014/main" id="{38CF2019-C216-17FA-E916-F6CA4689E93E}"/>
+                <a16:creationId xmlns:a16="http://schemas.microsoft.com/office/drawing/2014/main" id="{E75D9618-5258-5A35-570E-28E4F48D8F9A}"/>
               </a:ext>
             </a:extLst>
           </p:cNvPr>
@@ -2062,7 +2062,7 @@
           <a:bodyPr/>
           <a:lstStyle/>
           <a:p>
-            <a:fld id="{B3FC35F1-E10A-43DF-8613-982E25C8C4F5}" type="datetimeFigureOut">
+            <a:fld id="{E6873240-48C0-44D5-975F-33F5C8934432}" type="datetimeFigureOut">
               <a:rPr lang="zh-CN" altLang="en-US" smtClean="0"/>
               <a:t>2024/3/10</a:t>
             </a:fld>
@@ -2075,7 +2075,7 @@
           <p:cNvPr id="3" name="页脚占位符 2">
             <a:extLst>
               <a:ext uri="{FF2B5EF4-FFF2-40B4-BE49-F238E27FC236}">
-                <a16:creationId xmlns:a16="http://schemas.microsoft.com/office/drawing/2014/main" id="{81651DA1-4E49-AACB-95F2-82A916EF7B54}"/>
+                <a16:creationId xmlns:a16="http://schemas.microsoft.com/office/drawing/2014/main" id="{B9B18014-1A32-70D6-9ED4-E890A0DFA254}"/>
               </a:ext>
             </a:extLst>
           </p:cNvPr>
@@ -2100,7 +2100,7 @@
           <p:cNvPr id="4" name="灯片编号占位符 3">
             <a:extLst>
               <a:ext uri="{FF2B5EF4-FFF2-40B4-BE49-F238E27FC236}">
-                <a16:creationId xmlns:a16="http://schemas.microsoft.com/office/drawing/2014/main" id="{05D7CFBE-6580-85A0-6B7B-9418CF8AF900}"/>
+                <a16:creationId xmlns:a16="http://schemas.microsoft.com/office/drawing/2014/main" id="{F67CD99F-0D7A-FF2B-FBF3-41ABB89F0176}"/>
               </a:ext>
             </a:extLst>
           </p:cNvPr>
@@ -2116,7 +2116,7 @@
           <a:bodyPr/>
           <a:lstStyle/>
           <a:p>
-            <a:fld id="{D87DEDA7-43D6-44D4-9FDD-57C05377FD4E}" type="slidenum">
+            <a:fld id="{FBEE3130-5C15-46A8-A760-9D749BFB6AB2}" type="slidenum">
               <a:rPr lang="zh-CN" altLang="en-US" smtClean="0"/>
               <a:t>‹#›</a:t>
             </a:fld>
@@ -2127,7 +2127,7 @@
     </p:spTree>
     <p:extLst>
       <p:ext uri="{BB962C8B-B14F-4D97-AF65-F5344CB8AC3E}">
-        <p14:creationId xmlns:p14="http://schemas.microsoft.com/office/powerpoint/2010/main" val="2640679798"/>
+        <p14:creationId xmlns:p14="http://schemas.microsoft.com/office/powerpoint/2010/main" val="1746623217"/>
       </p:ext>
     </p:extLst>
   </p:cSld>
@@ -2159,7 +2159,7 @@
           <p:cNvPr id="2" name="标题 1">
             <a:extLst>
               <a:ext uri="{FF2B5EF4-FFF2-40B4-BE49-F238E27FC236}">
-                <a16:creationId xmlns:a16="http://schemas.microsoft.com/office/drawing/2014/main" id="{41683F2D-9C2C-761A-570C-A00DC3353236}"/>
+                <a16:creationId xmlns:a16="http://schemas.microsoft.com/office/drawing/2014/main" id="{67361DF7-4EB3-4FAB-8AD8-D6A9B2091029}"/>
               </a:ext>
             </a:extLst>
           </p:cNvPr>
@@ -2196,7 +2196,7 @@
           <p:cNvPr id="3" name="内容占位符 2">
             <a:extLst>
               <a:ext uri="{FF2B5EF4-FFF2-40B4-BE49-F238E27FC236}">
-                <a16:creationId xmlns:a16="http://schemas.microsoft.com/office/drawing/2014/main" id="{92DA5083-CDDF-0500-26DE-2FDD4E139463}"/>
+                <a16:creationId xmlns:a16="http://schemas.microsoft.com/office/drawing/2014/main" id="{927D9891-C3CD-924E-742B-D77EF33B0961}"/>
               </a:ext>
             </a:extLst>
           </p:cNvPr>
@@ -2286,7 +2286,7 @@
           <p:cNvPr id="4" name="文本占位符 3">
             <a:extLst>
               <a:ext uri="{FF2B5EF4-FFF2-40B4-BE49-F238E27FC236}">
-                <a16:creationId xmlns:a16="http://schemas.microsoft.com/office/drawing/2014/main" id="{32EC2632-96D2-5382-03C9-B42A7101A0D7}"/>
+                <a16:creationId xmlns:a16="http://schemas.microsoft.com/office/drawing/2014/main" id="{9974225B-B78F-A23E-A019-E0CCA2F69712}"/>
               </a:ext>
             </a:extLst>
           </p:cNvPr>
@@ -2357,7 +2357,7 @@
           <p:cNvPr id="5" name="日期占位符 4">
             <a:extLst>
               <a:ext uri="{FF2B5EF4-FFF2-40B4-BE49-F238E27FC236}">
-                <a16:creationId xmlns:a16="http://schemas.microsoft.com/office/drawing/2014/main" id="{91714359-EB3D-406A-1622-D3DC32181640}"/>
+                <a16:creationId xmlns:a16="http://schemas.microsoft.com/office/drawing/2014/main" id="{B119F52B-E0EC-0158-A645-733794E96C2C}"/>
               </a:ext>
             </a:extLst>
           </p:cNvPr>
@@ -2373,7 +2373,7 @@
           <a:bodyPr/>
           <a:lstStyle/>
           <a:p>
-            <a:fld id="{B3FC35F1-E10A-43DF-8613-982E25C8C4F5}" type="datetimeFigureOut">
+            <a:fld id="{E6873240-48C0-44D5-975F-33F5C8934432}" type="datetimeFigureOut">
               <a:rPr lang="zh-CN" altLang="en-US" smtClean="0"/>
               <a:t>2024/3/10</a:t>
             </a:fld>
@@ -2386,7 +2386,7 @@
           <p:cNvPr id="6" name="页脚占位符 5">
             <a:extLst>
               <a:ext uri="{FF2B5EF4-FFF2-40B4-BE49-F238E27FC236}">
-                <a16:creationId xmlns:a16="http://schemas.microsoft.com/office/drawing/2014/main" id="{1E5A3533-67EA-DFD9-3949-C3EE1EDED964}"/>
+                <a16:creationId xmlns:a16="http://schemas.microsoft.com/office/drawing/2014/main" id="{0EF1BA66-0767-6B44-7113-C8AD440EB35E}"/>
               </a:ext>
             </a:extLst>
           </p:cNvPr>
@@ -2411,7 +2411,7 @@
           <p:cNvPr id="7" name="灯片编号占位符 6">
             <a:extLst>
               <a:ext uri="{FF2B5EF4-FFF2-40B4-BE49-F238E27FC236}">
-                <a16:creationId xmlns:a16="http://schemas.microsoft.com/office/drawing/2014/main" id="{FFA35E12-2981-B108-9B41-83B25470E171}"/>
+                <a16:creationId xmlns:a16="http://schemas.microsoft.com/office/drawing/2014/main" id="{D6488A29-C031-F83F-1047-7EA29D2DF5B2}"/>
               </a:ext>
             </a:extLst>
           </p:cNvPr>
@@ -2427,7 +2427,7 @@
           <a:bodyPr/>
           <a:lstStyle/>
           <a:p>
-            <a:fld id="{D87DEDA7-43D6-44D4-9FDD-57C05377FD4E}" type="slidenum">
+            <a:fld id="{FBEE3130-5C15-46A8-A760-9D749BFB6AB2}" type="slidenum">
               <a:rPr lang="zh-CN" altLang="en-US" smtClean="0"/>
               <a:t>‹#›</a:t>
             </a:fld>
@@ -2438,7 +2438,7 @@
     </p:spTree>
     <p:extLst>
       <p:ext uri="{BB962C8B-B14F-4D97-AF65-F5344CB8AC3E}">
-        <p14:creationId xmlns:p14="http://schemas.microsoft.com/office/powerpoint/2010/main" val="3043346184"/>
+        <p14:creationId xmlns:p14="http://schemas.microsoft.com/office/powerpoint/2010/main" val="2757333096"/>
       </p:ext>
     </p:extLst>
   </p:cSld>
@@ -2470,7 +2470,7 @@
           <p:cNvPr id="2" name="标题 1">
             <a:extLst>
               <a:ext uri="{FF2B5EF4-FFF2-40B4-BE49-F238E27FC236}">
-                <a16:creationId xmlns:a16="http://schemas.microsoft.com/office/drawing/2014/main" id="{D61FFA24-C6A4-421B-8100-1B4E99877814}"/>
+                <a16:creationId xmlns:a16="http://schemas.microsoft.com/office/drawing/2014/main" id="{36FE6EB8-CE8D-7D63-2F43-45D7D5437FD3}"/>
               </a:ext>
             </a:extLst>
           </p:cNvPr>
@@ -2507,7 +2507,7 @@
           <p:cNvPr id="3" name="图片占位符 2">
             <a:extLst>
               <a:ext uri="{FF2B5EF4-FFF2-40B4-BE49-F238E27FC236}">
-                <a16:creationId xmlns:a16="http://schemas.microsoft.com/office/drawing/2014/main" id="{484D21A8-1547-08EB-22DB-C19531349ADA}"/>
+                <a16:creationId xmlns:a16="http://schemas.microsoft.com/office/drawing/2014/main" id="{2DDA8F28-B542-497A-9528-A9A5ADABADF8}"/>
               </a:ext>
             </a:extLst>
           </p:cNvPr>
@@ -2574,7 +2574,7 @@
           <p:cNvPr id="4" name="文本占位符 3">
             <a:extLst>
               <a:ext uri="{FF2B5EF4-FFF2-40B4-BE49-F238E27FC236}">
-                <a16:creationId xmlns:a16="http://schemas.microsoft.com/office/drawing/2014/main" id="{7C825C3A-01D5-4760-92B7-5ACE58ED41C8}"/>
+                <a16:creationId xmlns:a16="http://schemas.microsoft.com/office/drawing/2014/main" id="{96FA6A1B-A321-486C-EEB4-48989716A5FD}"/>
               </a:ext>
             </a:extLst>
           </p:cNvPr>
@@ -2645,7 +2645,7 @@
           <p:cNvPr id="5" name="日期占位符 4">
             <a:extLst>
               <a:ext uri="{FF2B5EF4-FFF2-40B4-BE49-F238E27FC236}">
-                <a16:creationId xmlns:a16="http://schemas.microsoft.com/office/drawing/2014/main" id="{9A36FE0A-F81A-A0BF-941C-134D6CB269BF}"/>
+                <a16:creationId xmlns:a16="http://schemas.microsoft.com/office/drawing/2014/main" id="{22866C59-72E8-1AB2-47C5-041D10437C97}"/>
               </a:ext>
             </a:extLst>
           </p:cNvPr>
@@ -2661,7 +2661,7 @@
           <a:bodyPr/>
           <a:lstStyle/>
           <a:p>
-            <a:fld id="{B3FC35F1-E10A-43DF-8613-982E25C8C4F5}" type="datetimeFigureOut">
+            <a:fld id="{E6873240-48C0-44D5-975F-33F5C8934432}" type="datetimeFigureOut">
               <a:rPr lang="zh-CN" altLang="en-US" smtClean="0"/>
               <a:t>2024/3/10</a:t>
             </a:fld>
@@ -2674,7 +2674,7 @@
           <p:cNvPr id="6" name="页脚占位符 5">
             <a:extLst>
               <a:ext uri="{FF2B5EF4-FFF2-40B4-BE49-F238E27FC236}">
-                <a16:creationId xmlns:a16="http://schemas.microsoft.com/office/drawing/2014/main" id="{D456503B-0148-92E5-0547-C4C433FED5BF}"/>
+                <a16:creationId xmlns:a16="http://schemas.microsoft.com/office/drawing/2014/main" id="{B9C791F4-700A-6CAA-4FE5-A53F95BB87A4}"/>
               </a:ext>
             </a:extLst>
           </p:cNvPr>
@@ -2699,7 +2699,7 @@
           <p:cNvPr id="7" name="灯片编号占位符 6">
             <a:extLst>
               <a:ext uri="{FF2B5EF4-FFF2-40B4-BE49-F238E27FC236}">
-                <a16:creationId xmlns:a16="http://schemas.microsoft.com/office/drawing/2014/main" id="{EBF9BE80-AA48-1AC2-0F59-1E0900D3A2A2}"/>
+                <a16:creationId xmlns:a16="http://schemas.microsoft.com/office/drawing/2014/main" id="{F06E80E5-3470-08B5-689B-3D45B8DC3C08}"/>
               </a:ext>
             </a:extLst>
           </p:cNvPr>
@@ -2715,7 +2715,7 @@
           <a:bodyPr/>
           <a:lstStyle/>
           <a:p>
-            <a:fld id="{D87DEDA7-43D6-44D4-9FDD-57C05377FD4E}" type="slidenum">
+            <a:fld id="{FBEE3130-5C15-46A8-A760-9D749BFB6AB2}" type="slidenum">
               <a:rPr lang="zh-CN" altLang="en-US" smtClean="0"/>
               <a:t>‹#›</a:t>
             </a:fld>
@@ -2726,7 +2726,7 @@
     </p:spTree>
     <p:extLst>
       <p:ext uri="{BB962C8B-B14F-4D97-AF65-F5344CB8AC3E}">
-        <p14:creationId xmlns:p14="http://schemas.microsoft.com/office/powerpoint/2010/main" val="4050722529"/>
+        <p14:creationId xmlns:p14="http://schemas.microsoft.com/office/powerpoint/2010/main" val="4045541787"/>
       </p:ext>
     </p:extLst>
   </p:cSld>
@@ -2763,7 +2763,7 @@
           <p:cNvPr id="2" name="标题占位符 1">
             <a:extLst>
               <a:ext uri="{FF2B5EF4-FFF2-40B4-BE49-F238E27FC236}">
-                <a16:creationId xmlns:a16="http://schemas.microsoft.com/office/drawing/2014/main" id="{3AE717C8-1015-9D6A-CA78-237F5793A08C}"/>
+                <a16:creationId xmlns:a16="http://schemas.microsoft.com/office/drawing/2014/main" id="{1CF72D07-5A29-B0C8-50CF-94E7BD881706}"/>
               </a:ext>
             </a:extLst>
           </p:cNvPr>
@@ -2801,7 +2801,7 @@
           <p:cNvPr id="3" name="文本占位符 2">
             <a:extLst>
               <a:ext uri="{FF2B5EF4-FFF2-40B4-BE49-F238E27FC236}">
-                <a16:creationId xmlns:a16="http://schemas.microsoft.com/office/drawing/2014/main" id="{41A7D27A-81A1-5143-9F1C-6F12F9E956B5}"/>
+                <a16:creationId xmlns:a16="http://schemas.microsoft.com/office/drawing/2014/main" id="{D8388A0F-5B54-3995-40CD-430ECF857CF1}"/>
               </a:ext>
             </a:extLst>
           </p:cNvPr>
@@ -2868,7 +2868,7 @@
           <p:cNvPr id="4" name="日期占位符 3">
             <a:extLst>
               <a:ext uri="{FF2B5EF4-FFF2-40B4-BE49-F238E27FC236}">
-                <a16:creationId xmlns:a16="http://schemas.microsoft.com/office/drawing/2014/main" id="{41E006EE-4D41-F050-6525-F0BB18DCBD78}"/>
+                <a16:creationId xmlns:a16="http://schemas.microsoft.com/office/drawing/2014/main" id="{6EA22FA2-6AFD-81C4-78CB-26E235016B34}"/>
               </a:ext>
             </a:extLst>
           </p:cNvPr>
@@ -2902,7 +2902,7 @@
             </a:lvl1pPr>
           </a:lstStyle>
           <a:p>
-            <a:fld id="{B3FC35F1-E10A-43DF-8613-982E25C8C4F5}" type="datetimeFigureOut">
+            <a:fld id="{E6873240-48C0-44D5-975F-33F5C8934432}" type="datetimeFigureOut">
               <a:rPr lang="zh-CN" altLang="en-US" smtClean="0"/>
               <a:t>2024/3/10</a:t>
             </a:fld>
@@ -2915,7 +2915,7 @@
           <p:cNvPr id="5" name="页脚占位符 4">
             <a:extLst>
               <a:ext uri="{FF2B5EF4-FFF2-40B4-BE49-F238E27FC236}">
-                <a16:creationId xmlns:a16="http://schemas.microsoft.com/office/drawing/2014/main" id="{CFB987CB-2009-F47F-7D83-0972948C54CE}"/>
+                <a16:creationId xmlns:a16="http://schemas.microsoft.com/office/drawing/2014/main" id="{33029854-F2FA-86A4-E9B1-C72CE1BF0FCC}"/>
               </a:ext>
             </a:extLst>
           </p:cNvPr>
@@ -2958,7 +2958,7 @@
           <p:cNvPr id="6" name="灯片编号占位符 5">
             <a:extLst>
               <a:ext uri="{FF2B5EF4-FFF2-40B4-BE49-F238E27FC236}">
-                <a16:creationId xmlns:a16="http://schemas.microsoft.com/office/drawing/2014/main" id="{80562EE4-6D4B-23A8-CA98-0277EDC8462B}"/>
+                <a16:creationId xmlns:a16="http://schemas.microsoft.com/office/drawing/2014/main" id="{B8CD8E1D-DE74-1E71-6402-258894142DBD}"/>
               </a:ext>
             </a:extLst>
           </p:cNvPr>
@@ -2992,7 +2992,7 @@
             </a:lvl1pPr>
           </a:lstStyle>
           <a:p>
-            <a:fld id="{D87DEDA7-43D6-44D4-9FDD-57C05377FD4E}" type="slidenum">
+            <a:fld id="{FBEE3130-5C15-46A8-A760-9D749BFB6AB2}" type="slidenum">
               <a:rPr lang="zh-CN" altLang="en-US" smtClean="0"/>
               <a:t>‹#›</a:t>
             </a:fld>
@@ -3003,7 +3003,7 @@
     </p:spTree>
     <p:extLst>
       <p:ext uri="{BB962C8B-B14F-4D97-AF65-F5344CB8AC3E}">
-        <p14:creationId xmlns:p14="http://schemas.microsoft.com/office/powerpoint/2010/main" val="772897865"/>
+        <p14:creationId xmlns:p14="http://schemas.microsoft.com/office/powerpoint/2010/main" val="436112583"/>
       </p:ext>
     </p:extLst>
   </p:cSld>
@@ -3323,7 +3323,7 @@
       </p:grpSpPr>
       <p:pic>
         <p:nvPicPr>
-          <p:cNvPr id="409602" name="Picture 2" descr="399"/>
+          <p:cNvPr id="410626" name="Picture 2" descr="400"/>
           <p:cNvPicPr>
             <a:picLocks noChangeAspect="1" noChangeArrowheads="1"/>
           </p:cNvPicPr>
